--- a/Final/Documentation/presentation/Group3.pptx
+++ b/Final/Documentation/presentation/Group3.pptx
@@ -222,7 +222,7 @@
           <a:p>
             <a:fld id="{A97501A3-766E-4029-A16A-1BAF140C450E}" type="datetimeFigureOut">
               <a:rPr lang="it-IT" smtClean="0"/>
-              <a:t>17/07/2025</a:t>
+              <a:t>20/07/2025</a:t>
             </a:fld>
             <a:endParaRPr lang="it-IT"/>
           </a:p>
@@ -926,7 +926,7 @@
           <a:p>
             <a:fld id="{E31BA835-12AC-4E8F-955A-EA3F4DE2791F}" type="datetime1">
               <a:rPr lang="en-US" smtClean="0"/>
-              <a:t>7/17/2025</a:t>
+              <a:t>7/20/2025</a:t>
             </a:fld>
             <a:endParaRPr lang="en-US"/>
           </a:p>
@@ -1097,7 +1097,7 @@
           <a:p>
             <a:fld id="{E31BA835-12AC-4E8F-955A-EA3F4DE2791F}" type="datetime1">
               <a:rPr lang="en-US" smtClean="0"/>
-              <a:t>7/17/2025</a:t>
+              <a:t>7/20/2025</a:t>
             </a:fld>
             <a:endParaRPr lang="en-US"/>
           </a:p>
@@ -1278,7 +1278,7 @@
           <a:p>
             <a:fld id="{E31BA835-12AC-4E8F-955A-EA3F4DE2791F}" type="datetime1">
               <a:rPr lang="en-US" smtClean="0"/>
-              <a:t>7/17/2025</a:t>
+              <a:t>7/20/2025</a:t>
             </a:fld>
             <a:endParaRPr lang="en-US"/>
           </a:p>
@@ -1449,7 +1449,7 @@
           <a:p>
             <a:fld id="{E31BA835-12AC-4E8F-955A-EA3F4DE2791F}" type="datetime1">
               <a:rPr lang="en-US" smtClean="0"/>
-              <a:t>7/17/2025</a:t>
+              <a:t>7/20/2025</a:t>
             </a:fld>
             <a:endParaRPr lang="en-US"/>
           </a:p>
@@ -1696,7 +1696,7 @@
           <a:p>
             <a:fld id="{E31BA835-12AC-4E8F-955A-EA3F4DE2791F}" type="datetime1">
               <a:rPr lang="en-US" smtClean="0"/>
-              <a:t>7/17/2025</a:t>
+              <a:t>7/20/2025</a:t>
             </a:fld>
             <a:endParaRPr lang="en-US"/>
           </a:p>
@@ -1929,7 +1929,7 @@
           <a:p>
             <a:fld id="{E31BA835-12AC-4E8F-955A-EA3F4DE2791F}" type="datetime1">
               <a:rPr lang="en-US" smtClean="0"/>
-              <a:t>7/17/2025</a:t>
+              <a:t>7/20/2025</a:t>
             </a:fld>
             <a:endParaRPr lang="en-US"/>
           </a:p>
@@ -2297,7 +2297,7 @@
           <a:p>
             <a:fld id="{E31BA835-12AC-4E8F-955A-EA3F4DE2791F}" type="datetime1">
               <a:rPr lang="en-US" smtClean="0"/>
-              <a:t>7/17/2025</a:t>
+              <a:t>7/20/2025</a:t>
             </a:fld>
             <a:endParaRPr lang="en-US"/>
           </a:p>
@@ -2416,7 +2416,7 @@
           <a:p>
             <a:fld id="{E31BA835-12AC-4E8F-955A-EA3F4DE2791F}" type="datetime1">
               <a:rPr lang="en-US" smtClean="0"/>
-              <a:t>7/17/2025</a:t>
+              <a:t>7/20/2025</a:t>
             </a:fld>
             <a:endParaRPr lang="en-US"/>
           </a:p>
@@ -2512,7 +2512,7 @@
           <a:p>
             <a:fld id="{E31BA835-12AC-4E8F-955A-EA3F4DE2791F}" type="datetime1">
               <a:rPr lang="en-US" smtClean="0"/>
-              <a:t>7/17/2025</a:t>
+              <a:t>7/20/2025</a:t>
             </a:fld>
             <a:endParaRPr lang="en-US"/>
           </a:p>
@@ -2790,7 +2790,7 @@
           <a:p>
             <a:fld id="{E31BA835-12AC-4E8F-955A-EA3F4DE2791F}" type="datetime1">
               <a:rPr lang="en-US" smtClean="0"/>
-              <a:t>7/17/2025</a:t>
+              <a:t>7/20/2025</a:t>
             </a:fld>
             <a:endParaRPr lang="en-US"/>
           </a:p>
@@ -3048,7 +3048,7 @@
           <a:p>
             <a:fld id="{E31BA835-12AC-4E8F-955A-EA3F4DE2791F}" type="datetime1">
               <a:rPr lang="en-US" smtClean="0"/>
-              <a:t>7/17/2025</a:t>
+              <a:t>7/20/2025</a:t>
             </a:fld>
             <a:endParaRPr lang="en-US"/>
           </a:p>
@@ -3262,7 +3262,7 @@
           <a:p>
             <a:fld id="{E31BA835-12AC-4E8F-955A-EA3F4DE2791F}" type="datetime1">
               <a:rPr lang="en-US" smtClean="0"/>
-              <a:t>7/17/2025</a:t>
+              <a:t>7/20/2025</a:t>
             </a:fld>
             <a:endParaRPr lang="en-US"/>
           </a:p>
@@ -12834,7 +12834,15 @@
             </a:pPr>
             <a:r>
               <a:rPr lang="it-IT" dirty="0"/>
-              <a:t>4 Providers</a:t>
+              <a:t>5</a:t>
+            </a:r>
+            <a:r>
+              <a:rPr lang="it-IT"/>
+              <a:t> </a:t>
+            </a:r>
+            <a:r>
+              <a:rPr lang="it-IT" dirty="0"/>
+              <a:t>Providers</a:t>
             </a:r>
           </a:p>
           <a:p>
